--- a/prezentacje/2024-zajecia1.pptx
+++ b/prezentacje/2024-zajecia1.pptx
@@ -205,7 +205,7 @@
           <a:p>
             <a:fld id="{D2027977-08CC-7B41-8BE8-551B08BCBC09}" type="datetimeFigureOut">
               <a:rPr lang="en-PL" smtClean="0"/>
-              <a:t>19/12/2024</a:t>
+              <a:t>02/01/2025</a:t>
             </a:fld>
             <a:endParaRPr lang="en-PL"/>
           </a:p>
@@ -706,7 +706,7 @@
           <a:p>
             <a:fld id="{E5984FE2-9A8A-8A4B-9538-42B0E27C5F17}" type="datetimeFigureOut">
               <a:rPr lang="en-PL" smtClean="0"/>
-              <a:t>19/12/2024</a:t>
+              <a:t>02/01/2025</a:t>
             </a:fld>
             <a:endParaRPr lang="en-PL"/>
           </a:p>
@@ -906,7 +906,7 @@
           <a:p>
             <a:fld id="{E5984FE2-9A8A-8A4B-9538-42B0E27C5F17}" type="datetimeFigureOut">
               <a:rPr lang="en-PL" smtClean="0"/>
-              <a:t>19/12/2024</a:t>
+              <a:t>02/01/2025</a:t>
             </a:fld>
             <a:endParaRPr lang="en-PL"/>
           </a:p>
@@ -1116,7 +1116,7 @@
           <a:p>
             <a:fld id="{E5984FE2-9A8A-8A4B-9538-42B0E27C5F17}" type="datetimeFigureOut">
               <a:rPr lang="en-PL" smtClean="0"/>
-              <a:t>19/12/2024</a:t>
+              <a:t>02/01/2025</a:t>
             </a:fld>
             <a:endParaRPr lang="en-PL"/>
           </a:p>
@@ -1316,7 +1316,7 @@
           <a:p>
             <a:fld id="{E5984FE2-9A8A-8A4B-9538-42B0E27C5F17}" type="datetimeFigureOut">
               <a:rPr lang="en-PL" smtClean="0"/>
-              <a:t>19/12/2024</a:t>
+              <a:t>02/01/2025</a:t>
             </a:fld>
             <a:endParaRPr lang="en-PL"/>
           </a:p>
@@ -1592,7 +1592,7 @@
           <a:p>
             <a:fld id="{E5984FE2-9A8A-8A4B-9538-42B0E27C5F17}" type="datetimeFigureOut">
               <a:rPr lang="en-PL" smtClean="0"/>
-              <a:t>19/12/2024</a:t>
+              <a:t>02/01/2025</a:t>
             </a:fld>
             <a:endParaRPr lang="en-PL"/>
           </a:p>
@@ -1860,7 +1860,7 @@
           <a:p>
             <a:fld id="{E5984FE2-9A8A-8A4B-9538-42B0E27C5F17}" type="datetimeFigureOut">
               <a:rPr lang="en-PL" smtClean="0"/>
-              <a:t>19/12/2024</a:t>
+              <a:t>02/01/2025</a:t>
             </a:fld>
             <a:endParaRPr lang="en-PL"/>
           </a:p>
@@ -2275,7 +2275,7 @@
           <a:p>
             <a:fld id="{E5984FE2-9A8A-8A4B-9538-42B0E27C5F17}" type="datetimeFigureOut">
               <a:rPr lang="en-PL" smtClean="0"/>
-              <a:t>19/12/2024</a:t>
+              <a:t>02/01/2025</a:t>
             </a:fld>
             <a:endParaRPr lang="en-PL"/>
           </a:p>
@@ -2417,7 +2417,7 @@
           <a:p>
             <a:fld id="{E5984FE2-9A8A-8A4B-9538-42B0E27C5F17}" type="datetimeFigureOut">
               <a:rPr lang="en-PL" smtClean="0"/>
-              <a:t>19/12/2024</a:t>
+              <a:t>02/01/2025</a:t>
             </a:fld>
             <a:endParaRPr lang="en-PL"/>
           </a:p>
@@ -2530,7 +2530,7 @@
           <a:p>
             <a:fld id="{E5984FE2-9A8A-8A4B-9538-42B0E27C5F17}" type="datetimeFigureOut">
               <a:rPr lang="en-PL" smtClean="0"/>
-              <a:t>19/12/2024</a:t>
+              <a:t>02/01/2025</a:t>
             </a:fld>
             <a:endParaRPr lang="en-PL"/>
           </a:p>
@@ -2843,7 +2843,7 @@
           <a:p>
             <a:fld id="{E5984FE2-9A8A-8A4B-9538-42B0E27C5F17}" type="datetimeFigureOut">
               <a:rPr lang="en-PL" smtClean="0"/>
-              <a:t>19/12/2024</a:t>
+              <a:t>02/01/2025</a:t>
             </a:fld>
             <a:endParaRPr lang="en-PL"/>
           </a:p>
@@ -3132,7 +3132,7 @@
           <a:p>
             <a:fld id="{E5984FE2-9A8A-8A4B-9538-42B0E27C5F17}" type="datetimeFigureOut">
               <a:rPr lang="en-PL" smtClean="0"/>
-              <a:t>19/12/2024</a:t>
+              <a:t>02/01/2025</a:t>
             </a:fld>
             <a:endParaRPr lang="en-PL"/>
           </a:p>
@@ -3375,7 +3375,7 @@
           <a:p>
             <a:fld id="{E5984FE2-9A8A-8A4B-9538-42B0E27C5F17}" type="datetimeFigureOut">
               <a:rPr lang="en-PL" smtClean="0"/>
-              <a:t>19/12/2024</a:t>
+              <a:t>02/01/2025</a:t>
             </a:fld>
             <a:endParaRPr lang="en-PL"/>
           </a:p>
@@ -4832,7 +4832,7 @@
         </p:spPr>
         <p:txBody>
           <a:bodyPr>
-            <a:normAutofit lnSpcReduction="10000"/>
+            <a:normAutofit fontScale="92500" lnSpcReduction="10000"/>
           </a:bodyPr>
           <a:lstStyle/>
           <a:p>
@@ -5184,7 +5184,7 @@
                 <a:ea typeface="Aptos" panose="020B0004020202020204" pitchFamily="34" charset="0"/>
                 <a:cs typeface="Times New Roman" panose="02020603050405020304" pitchFamily="18" charset="0"/>
               </a:rPr>
-              <a:t>14: Large Language Models (LLMs) and ChatGPT</a:t>
+              <a:t>14: Time Series Analysis</a:t>
             </a:r>
             <a:endParaRPr lang="en-PL" sz="2400" kern="100" dirty="0">
               <a:effectLst/>
@@ -5210,7 +5210,33 @@
                 <a:ea typeface="Aptos" panose="020B0004020202020204" pitchFamily="34" charset="0"/>
                 <a:cs typeface="Times New Roman" panose="02020603050405020304" pitchFamily="18" charset="0"/>
               </a:rPr>
-              <a:t>15: Ethics, Privacy, and Future Trends in Big Data, ML, and IoT</a:t>
+              <a:t>15: Large Language Models (LLMs) and ChatGPT</a:t>
+            </a:r>
+            <a:endParaRPr lang="en-PL" sz="2400" kern="100" dirty="0">
+              <a:effectLst/>
+              <a:latin typeface="Aptos" panose="020B0004020202020204" pitchFamily="34" charset="0"/>
+              <a:ea typeface="Aptos" panose="020B0004020202020204" pitchFamily="34" charset="0"/>
+              <a:cs typeface="Times New Roman" panose="02020603050405020304" pitchFamily="18" charset="0"/>
+            </a:endParaRPr>
+          </a:p>
+          <a:p>
+            <a:r>
+              <a:rPr lang="en-GB" sz="2400" b="1" kern="100" dirty="0">
+                <a:effectLst/>
+                <a:latin typeface="Aptos" panose="020B0004020202020204" pitchFamily="34" charset="0"/>
+                <a:ea typeface="Aptos" panose="020B0004020202020204" pitchFamily="34" charset="0"/>
+                <a:cs typeface="Times New Roman" panose="02020603050405020304" pitchFamily="18" charset="0"/>
+              </a:rPr>
+              <a:t>W</a:t>
+            </a:r>
+            <a:r>
+              <a:rPr lang="en-PL" sz="2400" b="1" kern="100" dirty="0">
+                <a:effectLst/>
+                <a:latin typeface="Aptos" panose="020B0004020202020204" pitchFamily="34" charset="0"/>
+                <a:ea typeface="Aptos" panose="020B0004020202020204" pitchFamily="34" charset="0"/>
+                <a:cs typeface="Times New Roman" panose="02020603050405020304" pitchFamily="18" charset="0"/>
+              </a:rPr>
+              <a:t>16: Ethics, Privacy, and Future Trends in Big Data, ML, and IoT</a:t>
             </a:r>
             <a:endParaRPr lang="en-PL" sz="2400" kern="100" dirty="0">
               <a:effectLst/>

--- a/prezentacje/2024-zajecia1.pptx
+++ b/prezentacje/2024-zajecia1.pptx
@@ -205,7 +205,7 @@
           <a:p>
             <a:fld id="{D2027977-08CC-7B41-8BE8-551B08BCBC09}" type="datetimeFigureOut">
               <a:rPr lang="en-PL" smtClean="0"/>
-              <a:t>02/01/2025</a:t>
+              <a:t>09/01/2025</a:t>
             </a:fld>
             <a:endParaRPr lang="en-PL"/>
           </a:p>
@@ -706,7 +706,7 @@
           <a:p>
             <a:fld id="{E5984FE2-9A8A-8A4B-9538-42B0E27C5F17}" type="datetimeFigureOut">
               <a:rPr lang="en-PL" smtClean="0"/>
-              <a:t>02/01/2025</a:t>
+              <a:t>09/01/2025</a:t>
             </a:fld>
             <a:endParaRPr lang="en-PL"/>
           </a:p>
@@ -906,7 +906,7 @@
           <a:p>
             <a:fld id="{E5984FE2-9A8A-8A4B-9538-42B0E27C5F17}" type="datetimeFigureOut">
               <a:rPr lang="en-PL" smtClean="0"/>
-              <a:t>02/01/2025</a:t>
+              <a:t>09/01/2025</a:t>
             </a:fld>
             <a:endParaRPr lang="en-PL"/>
           </a:p>
@@ -1116,7 +1116,7 @@
           <a:p>
             <a:fld id="{E5984FE2-9A8A-8A4B-9538-42B0E27C5F17}" type="datetimeFigureOut">
               <a:rPr lang="en-PL" smtClean="0"/>
-              <a:t>02/01/2025</a:t>
+              <a:t>09/01/2025</a:t>
             </a:fld>
             <a:endParaRPr lang="en-PL"/>
           </a:p>
@@ -1316,7 +1316,7 @@
           <a:p>
             <a:fld id="{E5984FE2-9A8A-8A4B-9538-42B0E27C5F17}" type="datetimeFigureOut">
               <a:rPr lang="en-PL" smtClean="0"/>
-              <a:t>02/01/2025</a:t>
+              <a:t>09/01/2025</a:t>
             </a:fld>
             <a:endParaRPr lang="en-PL"/>
           </a:p>
@@ -1592,7 +1592,7 @@
           <a:p>
             <a:fld id="{E5984FE2-9A8A-8A4B-9538-42B0E27C5F17}" type="datetimeFigureOut">
               <a:rPr lang="en-PL" smtClean="0"/>
-              <a:t>02/01/2025</a:t>
+              <a:t>09/01/2025</a:t>
             </a:fld>
             <a:endParaRPr lang="en-PL"/>
           </a:p>
@@ -1860,7 +1860,7 @@
           <a:p>
             <a:fld id="{E5984FE2-9A8A-8A4B-9538-42B0E27C5F17}" type="datetimeFigureOut">
               <a:rPr lang="en-PL" smtClean="0"/>
-              <a:t>02/01/2025</a:t>
+              <a:t>09/01/2025</a:t>
             </a:fld>
             <a:endParaRPr lang="en-PL"/>
           </a:p>
@@ -2275,7 +2275,7 @@
           <a:p>
             <a:fld id="{E5984FE2-9A8A-8A4B-9538-42B0E27C5F17}" type="datetimeFigureOut">
               <a:rPr lang="en-PL" smtClean="0"/>
-              <a:t>02/01/2025</a:t>
+              <a:t>09/01/2025</a:t>
             </a:fld>
             <a:endParaRPr lang="en-PL"/>
           </a:p>
@@ -2417,7 +2417,7 @@
           <a:p>
             <a:fld id="{E5984FE2-9A8A-8A4B-9538-42B0E27C5F17}" type="datetimeFigureOut">
               <a:rPr lang="en-PL" smtClean="0"/>
-              <a:t>02/01/2025</a:t>
+              <a:t>09/01/2025</a:t>
             </a:fld>
             <a:endParaRPr lang="en-PL"/>
           </a:p>
@@ -2530,7 +2530,7 @@
           <a:p>
             <a:fld id="{E5984FE2-9A8A-8A4B-9538-42B0E27C5F17}" type="datetimeFigureOut">
               <a:rPr lang="en-PL" smtClean="0"/>
-              <a:t>02/01/2025</a:t>
+              <a:t>09/01/2025</a:t>
             </a:fld>
             <a:endParaRPr lang="en-PL"/>
           </a:p>
@@ -2843,7 +2843,7 @@
           <a:p>
             <a:fld id="{E5984FE2-9A8A-8A4B-9538-42B0E27C5F17}" type="datetimeFigureOut">
               <a:rPr lang="en-PL" smtClean="0"/>
-              <a:t>02/01/2025</a:t>
+              <a:t>09/01/2025</a:t>
             </a:fld>
             <a:endParaRPr lang="en-PL"/>
           </a:p>
@@ -3132,7 +3132,7 @@
           <a:p>
             <a:fld id="{E5984FE2-9A8A-8A4B-9538-42B0E27C5F17}" type="datetimeFigureOut">
               <a:rPr lang="en-PL" smtClean="0"/>
-              <a:t>02/01/2025</a:t>
+              <a:t>09/01/2025</a:t>
             </a:fld>
             <a:endParaRPr lang="en-PL"/>
           </a:p>
@@ -3375,7 +3375,7 @@
           <a:p>
             <a:fld id="{E5984FE2-9A8A-8A4B-9538-42B0E27C5F17}" type="datetimeFigureOut">
               <a:rPr lang="en-PL" smtClean="0"/>
-              <a:t>02/01/2025</a:t>
+              <a:t>09/01/2025</a:t>
             </a:fld>
             <a:endParaRPr lang="en-PL"/>
           </a:p>
@@ -5169,7 +5169,7 @@
           </a:p>
           <a:p>
             <a:r>
-              <a:rPr lang="en-GB" sz="2400" b="1" kern="100" dirty="0">
+              <a:rPr lang="en-GB" sz="2400" b="1" strike="sngStrike" kern="100" dirty="0">
                 <a:effectLst/>
                 <a:latin typeface="Aptos" panose="020B0004020202020204" pitchFamily="34" charset="0"/>
                 <a:ea typeface="Aptos" panose="020B0004020202020204" pitchFamily="34" charset="0"/>
@@ -5178,7 +5178,7 @@
               <a:t>W</a:t>
             </a:r>
             <a:r>
-              <a:rPr lang="en-PL" sz="2400" b="1" kern="100" dirty="0">
+              <a:rPr lang="en-PL" sz="2400" b="1" strike="sngStrike" kern="100" dirty="0">
                 <a:effectLst/>
                 <a:latin typeface="Aptos" panose="020B0004020202020204" pitchFamily="34" charset="0"/>
                 <a:ea typeface="Aptos" panose="020B0004020202020204" pitchFamily="34" charset="0"/>
@@ -5186,7 +5186,7 @@
               </a:rPr>
               <a:t>14: Time Series Analysis</a:t>
             </a:r>
-            <a:endParaRPr lang="en-PL" sz="2400" kern="100" dirty="0">
+            <a:endParaRPr lang="en-PL" sz="2400" strike="sngStrike" kern="100" dirty="0">
               <a:effectLst/>
               <a:latin typeface="Aptos" panose="020B0004020202020204" pitchFamily="34" charset="0"/>
               <a:ea typeface="Aptos" panose="020B0004020202020204" pitchFamily="34" charset="0"/>
@@ -5195,7 +5195,7 @@
           </a:p>
           <a:p>
             <a:r>
-              <a:rPr lang="en-GB" sz="2400" b="1" kern="100" dirty="0">
+              <a:rPr lang="en-GB" sz="2400" b="1" strike="sngStrike" kern="100" dirty="0">
                 <a:effectLst/>
                 <a:latin typeface="Aptos" panose="020B0004020202020204" pitchFamily="34" charset="0"/>
                 <a:ea typeface="Aptos" panose="020B0004020202020204" pitchFamily="34" charset="0"/>
@@ -5204,7 +5204,7 @@
               <a:t>W</a:t>
             </a:r>
             <a:r>
-              <a:rPr lang="en-PL" sz="2400" b="1" kern="100" dirty="0">
+              <a:rPr lang="en-PL" sz="2400" b="1" strike="sngStrike" kern="100" dirty="0">
                 <a:effectLst/>
                 <a:latin typeface="Aptos" panose="020B0004020202020204" pitchFamily="34" charset="0"/>
                 <a:ea typeface="Aptos" panose="020B0004020202020204" pitchFamily="34" charset="0"/>
@@ -5212,7 +5212,7 @@
               </a:rPr>
               <a:t>15: Large Language Models (LLMs) and ChatGPT</a:t>
             </a:r>
-            <a:endParaRPr lang="en-PL" sz="2400" kern="100" dirty="0">
+            <a:endParaRPr lang="en-PL" sz="2400" strike="sngStrike" kern="100" dirty="0">
               <a:effectLst/>
               <a:latin typeface="Aptos" panose="020B0004020202020204" pitchFamily="34" charset="0"/>
               <a:ea typeface="Aptos" panose="020B0004020202020204" pitchFamily="34" charset="0"/>
